--- a/Slides/Class05.pptx
+++ b/Slides/Class05.pptx
@@ -226,7 +226,7 @@
           <a:p>
             <a:fld id="{C24322AF-E05B-7249-906C-FBAC6154C037}" type="datetimeFigureOut">
               <a:rPr lang="en-US" smtClean="0"/>
-              <a:t>12/11/18</a:t>
+              <a:t>6/18/25</a:t>
             </a:fld>
             <a:endParaRPr lang="en-US"/>
           </a:p>
@@ -392,7 +392,7 @@
             <a:fld id="{06A43BE5-3BD4-F642-8751-88A31D8D6D13}" type="datetimeFigureOut">
               <a:rPr lang="en-US" smtClean="0"/>
               <a:pPr/>
-              <a:t>12/11/18</a:t>
+              <a:t>6/18/25</a:t>
             </a:fld>
             <a:endParaRPr lang="en-US"/>
           </a:p>
@@ -935,7 +935,7 @@
             <a:fld id="{A4FA2B0E-4818-9849-9CF1-1031FD4E1DAB}" type="datetimeFigureOut">
               <a:rPr lang="en-US" smtClean="0"/>
               <a:pPr/>
-              <a:t>12/11/18</a:t>
+              <a:t>6/18/25</a:t>
             </a:fld>
             <a:endParaRPr lang="en-US"/>
           </a:p>
@@ -1100,7 +1100,7 @@
             <a:fld id="{A4FA2B0E-4818-9849-9CF1-1031FD4E1DAB}" type="datetimeFigureOut">
               <a:rPr lang="en-US" smtClean="0"/>
               <a:pPr/>
-              <a:t>12/11/18</a:t>
+              <a:t>6/18/25</a:t>
             </a:fld>
             <a:endParaRPr lang="en-US"/>
           </a:p>
@@ -1275,7 +1275,7 @@
             <a:fld id="{A4FA2B0E-4818-9849-9CF1-1031FD4E1DAB}" type="datetimeFigureOut">
               <a:rPr lang="en-US" smtClean="0"/>
               <a:pPr/>
-              <a:t>12/11/18</a:t>
+              <a:t>6/18/25</a:t>
             </a:fld>
             <a:endParaRPr lang="en-US"/>
           </a:p>
@@ -1440,7 +1440,7 @@
             <a:fld id="{A4FA2B0E-4818-9849-9CF1-1031FD4E1DAB}" type="datetimeFigureOut">
               <a:rPr lang="en-US" smtClean="0"/>
               <a:pPr/>
-              <a:t>12/11/18</a:t>
+              <a:t>6/18/25</a:t>
             </a:fld>
             <a:endParaRPr lang="en-US"/>
           </a:p>
@@ -1682,7 +1682,7 @@
             <a:fld id="{A4FA2B0E-4818-9849-9CF1-1031FD4E1DAB}" type="datetimeFigureOut">
               <a:rPr lang="en-US" smtClean="0"/>
               <a:pPr/>
-              <a:t>12/11/18</a:t>
+              <a:t>6/18/25</a:t>
             </a:fld>
             <a:endParaRPr lang="en-US"/>
           </a:p>
@@ -1964,7 +1964,7 @@
             <a:fld id="{A4FA2B0E-4818-9849-9CF1-1031FD4E1DAB}" type="datetimeFigureOut">
               <a:rPr lang="en-US" smtClean="0"/>
               <a:pPr/>
-              <a:t>12/11/18</a:t>
+              <a:t>6/18/25</a:t>
             </a:fld>
             <a:endParaRPr lang="en-US"/>
           </a:p>
@@ -2380,7 +2380,7 @@
             <a:fld id="{A4FA2B0E-4818-9849-9CF1-1031FD4E1DAB}" type="datetimeFigureOut">
               <a:rPr lang="en-US" smtClean="0"/>
               <a:pPr/>
-              <a:t>12/11/18</a:t>
+              <a:t>6/18/25</a:t>
             </a:fld>
             <a:endParaRPr lang="en-US"/>
           </a:p>
@@ -2494,7 +2494,7 @@
             <a:fld id="{A4FA2B0E-4818-9849-9CF1-1031FD4E1DAB}" type="datetimeFigureOut">
               <a:rPr lang="en-US" smtClean="0"/>
               <a:pPr/>
-              <a:t>12/11/18</a:t>
+              <a:t>6/18/25</a:t>
             </a:fld>
             <a:endParaRPr lang="en-US"/>
           </a:p>
@@ -2586,7 +2586,7 @@
             <a:fld id="{A4FA2B0E-4818-9849-9CF1-1031FD4E1DAB}" type="datetimeFigureOut">
               <a:rPr lang="en-US" smtClean="0"/>
               <a:pPr/>
-              <a:t>12/11/18</a:t>
+              <a:t>6/18/25</a:t>
             </a:fld>
             <a:endParaRPr lang="en-US"/>
           </a:p>
@@ -2858,7 +2858,7 @@
             <a:fld id="{A4FA2B0E-4818-9849-9CF1-1031FD4E1DAB}" type="datetimeFigureOut">
               <a:rPr lang="en-US" smtClean="0"/>
               <a:pPr/>
-              <a:t>12/11/18</a:t>
+              <a:t>6/18/25</a:t>
             </a:fld>
             <a:endParaRPr lang="en-US"/>
           </a:p>
@@ -3107,7 +3107,7 @@
             <a:fld id="{A4FA2B0E-4818-9849-9CF1-1031FD4E1DAB}" type="datetimeFigureOut">
               <a:rPr lang="en-US" smtClean="0"/>
               <a:pPr/>
-              <a:t>12/11/18</a:t>
+              <a:t>6/18/25</a:t>
             </a:fld>
             <a:endParaRPr lang="en-US"/>
           </a:p>
@@ -3315,7 +3315,7 @@
             <a:fld id="{A4FA2B0E-4818-9849-9CF1-1031FD4E1DAB}" type="datetimeFigureOut">
               <a:rPr lang="en-US" smtClean="0"/>
               <a:pPr/>
-              <a:t>12/11/18</a:t>
+              <a:t>6/18/25</a:t>
             </a:fld>
             <a:endParaRPr lang="en-US"/>
           </a:p>
@@ -3894,7 +3894,7 @@
         <p:spPr>
           <a:xfrm>
             <a:off x="539603" y="945629"/>
-            <a:ext cx="8517900" cy="5755422"/>
+            <a:ext cx="8517900" cy="5909310"/>
           </a:xfrm>
           <a:prstGeom prst="rect">
             <a:avLst/>
@@ -4007,6 +4007,22 @@
                 <a:cs typeface="Times New Roman" panose="02020603050405020304" pitchFamily="18" charset="0"/>
               </a:rPr>
               <a:t>Do the abstract’s length, organization and format match the genre?</a:t>
+            </a:r>
+          </a:p>
+          <a:p>
+            <a:pPr marL="804672" lvl="1" indent="-342900">
+              <a:buFont typeface="Arial" panose="020B0604020202020204" pitchFamily="34" charset="0"/>
+              <a:buChar char="•"/>
+            </a:pPr>
+            <a:r>
+              <a:rPr lang="en-US" sz="2200" dirty="0">
+                <a:solidFill>
+                  <a:prstClr val="black"/>
+                </a:solidFill>
+                <a:latin typeface="Times New Roman" panose="02020603050405020304" pitchFamily="18" charset="0"/>
+                <a:cs typeface="Times New Roman" panose="02020603050405020304" pitchFamily="18" charset="0"/>
+              </a:rPr>
+              <a:t>What is the main point of the article (in one sentence)?</a:t>
             </a:r>
           </a:p>
           <a:p>
@@ -4035,7 +4051,7 @@
                 <a:latin typeface="Times New Roman" panose="02020603050405020304" pitchFamily="18" charset="0"/>
                 <a:cs typeface="Times New Roman" panose="02020603050405020304" pitchFamily="18" charset="0"/>
               </a:rPr>
-              <a:t>Read your peer’s abstract again and point out one/two strengths and one/two weaknesses</a:t>
+              <a:t>Read your peer’s abstract again and point out two strengths and two weaknesses</a:t>
             </a:r>
           </a:p>
           <a:p>
@@ -4368,33 +4384,15 @@
                                   </p:childTnLst>
                                 </p:cTn>
                               </p:par>
-                            </p:childTnLst>
-                          </p:cTn>
-                        </p:par>
-                      </p:childTnLst>
-                    </p:cTn>
-                  </p:par>
-                  <p:par>
-                    <p:cTn id="19" fill="hold">
-                      <p:stCondLst>
-                        <p:cond delay="indefinite"/>
-                      </p:stCondLst>
-                      <p:childTnLst>
-                        <p:par>
-                          <p:cTn id="20" fill="hold">
-                            <p:stCondLst>
-                              <p:cond delay="0"/>
-                            </p:stCondLst>
-                            <p:childTnLst>
                               <p:par>
-                                <p:cTn id="21" presetID="1" presetClass="entr" presetSubtype="0" fill="hold" nodeType="clickEffect">
+                                <p:cTn id="19" presetID="1" presetClass="entr" presetSubtype="0" fill="hold" nodeType="withEffect">
                                   <p:stCondLst>
                                     <p:cond delay="0"/>
                                   </p:stCondLst>
                                   <p:childTnLst>
                                     <p:set>
                                       <p:cBhvr>
-                                        <p:cTn id="22" dur="1" fill="hold">
+                                        <p:cTn id="20" dur="1" fill="hold">
                                           <p:stCondLst>
                                             <p:cond delay="0"/>
                                           </p:stCondLst>
@@ -4402,7 +4400,7 @@
                                         <p:tgtEl>
                                           <p:spTgt spid="6">
                                             <p:txEl>
-                                              <p:pRg st="8" end="8"/>
+                                              <p:pRg st="7" end="7"/>
                                             </p:txEl>
                                           </p:spTgt>
                                         </p:tgtEl>
@@ -4424,26 +4422,26 @@
                     </p:cTn>
                   </p:par>
                   <p:par>
-                    <p:cTn id="23" fill="hold">
+                    <p:cTn id="21" fill="hold">
                       <p:stCondLst>
                         <p:cond delay="indefinite"/>
                       </p:stCondLst>
                       <p:childTnLst>
                         <p:par>
-                          <p:cTn id="24" fill="hold">
+                          <p:cTn id="22" fill="hold">
                             <p:stCondLst>
                               <p:cond delay="0"/>
                             </p:stCondLst>
                             <p:childTnLst>
                               <p:par>
-                                <p:cTn id="25" presetID="1" presetClass="entr" presetSubtype="0" fill="hold" nodeType="clickEffect">
+                                <p:cTn id="23" presetID="1" presetClass="entr" presetSubtype="0" fill="hold" nodeType="clickEffect">
                                   <p:stCondLst>
                                     <p:cond delay="0"/>
                                   </p:stCondLst>
                                   <p:childTnLst>
                                     <p:set>
                                       <p:cBhvr>
-                                        <p:cTn id="26" dur="1" fill="hold">
+                                        <p:cTn id="24" dur="1" fill="hold">
                                           <p:stCondLst>
                                             <p:cond delay="0"/>
                                           </p:stCondLst>
@@ -4451,7 +4449,7 @@
                                         <p:tgtEl>
                                           <p:spTgt spid="6">
                                             <p:txEl>
-                                              <p:pRg st="10" end="10"/>
+                                              <p:pRg st="9" end="9"/>
                                             </p:txEl>
                                           </p:spTgt>
                                         </p:tgtEl>
@@ -4473,26 +4471,26 @@
                     </p:cTn>
                   </p:par>
                   <p:par>
-                    <p:cTn id="27" fill="hold">
+                    <p:cTn id="25" fill="hold">
                       <p:stCondLst>
                         <p:cond delay="indefinite"/>
                       </p:stCondLst>
                       <p:childTnLst>
                         <p:par>
-                          <p:cTn id="28" fill="hold">
+                          <p:cTn id="26" fill="hold">
                             <p:stCondLst>
                               <p:cond delay="0"/>
                             </p:stCondLst>
                             <p:childTnLst>
                               <p:par>
-                                <p:cTn id="29" presetID="1" presetClass="entr" presetSubtype="0" fill="hold" nodeType="clickEffect">
+                                <p:cTn id="27" presetID="1" presetClass="entr" presetSubtype="0" fill="hold" nodeType="clickEffect">
                                   <p:stCondLst>
                                     <p:cond delay="0"/>
                                   </p:stCondLst>
                                   <p:childTnLst>
                                     <p:set>
                                       <p:cBhvr>
-                                        <p:cTn id="30" dur="1" fill="hold">
+                                        <p:cTn id="28" dur="1" fill="hold">
                                           <p:stCondLst>
                                             <p:cond delay="0"/>
                                           </p:stCondLst>
@@ -4500,7 +4498,7 @@
                                         <p:tgtEl>
                                           <p:spTgt spid="6">
                                             <p:txEl>
-                                              <p:pRg st="12" end="12"/>
+                                              <p:pRg st="11" end="11"/>
                                             </p:txEl>
                                           </p:spTgt>
                                         </p:tgtEl>
@@ -4522,26 +4520,26 @@
                     </p:cTn>
                   </p:par>
                   <p:par>
-                    <p:cTn id="31" fill="hold">
+                    <p:cTn id="29" fill="hold">
                       <p:stCondLst>
                         <p:cond delay="indefinite"/>
                       </p:stCondLst>
                       <p:childTnLst>
                         <p:par>
-                          <p:cTn id="32" fill="hold">
+                          <p:cTn id="30" fill="hold">
                             <p:stCondLst>
                               <p:cond delay="0"/>
                             </p:stCondLst>
                             <p:childTnLst>
                               <p:par>
-                                <p:cTn id="33" presetID="1" presetClass="entr" presetSubtype="0" fill="hold" nodeType="clickEffect">
+                                <p:cTn id="31" presetID="1" presetClass="entr" presetSubtype="0" fill="hold" nodeType="clickEffect">
                                   <p:stCondLst>
                                     <p:cond delay="0"/>
                                   </p:stCondLst>
                                   <p:childTnLst>
                                     <p:set>
                                       <p:cBhvr>
-                                        <p:cTn id="34" dur="1" fill="hold">
+                                        <p:cTn id="32" dur="1" fill="hold">
                                           <p:stCondLst>
                                             <p:cond delay="0"/>
                                           </p:stCondLst>
@@ -4549,7 +4547,56 @@
                                         <p:tgtEl>
                                           <p:spTgt spid="6">
                                             <p:txEl>
-                                              <p:pRg st="14" end="14"/>
+                                              <p:pRg st="13" end="13"/>
+                                            </p:txEl>
+                                          </p:spTgt>
+                                        </p:tgtEl>
+                                        <p:attrNameLst>
+                                          <p:attrName>style.visibility</p:attrName>
+                                        </p:attrNameLst>
+                                      </p:cBhvr>
+                                      <p:to>
+                                        <p:strVal val="visible"/>
+                                      </p:to>
+                                    </p:set>
+                                  </p:childTnLst>
+                                </p:cTn>
+                              </p:par>
+                            </p:childTnLst>
+                          </p:cTn>
+                        </p:par>
+                      </p:childTnLst>
+                    </p:cTn>
+                  </p:par>
+                  <p:par>
+                    <p:cTn id="33" fill="hold">
+                      <p:stCondLst>
+                        <p:cond delay="indefinite"/>
+                      </p:stCondLst>
+                      <p:childTnLst>
+                        <p:par>
+                          <p:cTn id="34" fill="hold">
+                            <p:stCondLst>
+                              <p:cond delay="0"/>
+                            </p:stCondLst>
+                            <p:childTnLst>
+                              <p:par>
+                                <p:cTn id="35" presetID="1" presetClass="entr" presetSubtype="0" fill="hold" nodeType="clickEffect">
+                                  <p:stCondLst>
+                                    <p:cond delay="0"/>
+                                  </p:stCondLst>
+                                  <p:childTnLst>
+                                    <p:set>
+                                      <p:cBhvr>
+                                        <p:cTn id="36" dur="1" fill="hold">
+                                          <p:stCondLst>
+                                            <p:cond delay="0"/>
+                                          </p:stCondLst>
+                                        </p:cTn>
+                                        <p:tgtEl>
+                                          <p:spTgt spid="6">
+                                            <p:txEl>
+                                              <p:pRg st="15" end="15"/>
                                             </p:txEl>
                                           </p:spTgt>
                                         </p:tgtEl>
